--- a/presentation/EECS 448- Project 1 Presentation.pptx
+++ b/presentation/EECS 448- Project 1 Presentation.pptx
@@ -6214,15 +6214,7 @@
             <a:pPr algn="l"/>
             <a:r>
               <a:rPr lang="en-US" dirty="0" smtClean="0"/>
-              <a:t>	</a:t>
-            </a:r>
-            <a:r>
-              <a:rPr lang="en-US" dirty="0" smtClean="0"/>
-              <a:t>Matthew </a:t>
-            </a:r>
-            <a:r>
-              <a:rPr lang="en-US" dirty="0" smtClean="0"/>
-              <a:t>Bauer</a:t>
+              <a:t>	Matthew Bauer</a:t>
             </a:r>
           </a:p>
           <a:p>
@@ -6342,17 +6334,8 @@
             <a:pPr lvl="1"/>
             <a:r>
               <a:rPr lang="en-US" sz="2000" dirty="0" smtClean="0"/>
-              <a:t>Java </a:t>
-            </a:r>
-            <a:r>
-              <a:rPr lang="en-US" sz="2000" dirty="0" smtClean="0"/>
-              <a:t>Swing </a:t>
-            </a:r>
-            <a:r>
-              <a:rPr lang="en-US" sz="2000" dirty="0" smtClean="0"/>
-              <a:t>application and a MySQL database</a:t>
-            </a:r>
-            <a:endParaRPr lang="en-US" sz="2000" dirty="0" smtClean="0"/>
+              <a:t>Java Swing application and a MySQL database</a:t>
+            </a:r>
           </a:p>
           <a:p>
             <a:r>
@@ -6364,11 +6347,7 @@
             <a:pPr lvl="1"/>
             <a:r>
               <a:rPr lang="en-US" sz="2000" dirty="0" smtClean="0"/>
-              <a:t>The s</a:t>
-            </a:r>
-            <a:r>
-              <a:rPr lang="en-US" sz="2000" dirty="0" smtClean="0"/>
-              <a:t>tart </a:t>
+              <a:t>The start </a:t>
             </a:r>
             <a:r>
               <a:rPr lang="en-US" sz="2000" dirty="0"/>
@@ -6376,11 +6355,7 @@
             </a:r>
             <a:r>
               <a:rPr lang="en-US" sz="2000" dirty="0" smtClean="0"/>
-              <a:t>enu </a:t>
-            </a:r>
-            <a:r>
-              <a:rPr lang="en-US" sz="2000" dirty="0" smtClean="0"/>
-              <a:t>accepts view selection, current month, and current day from the user.</a:t>
+              <a:t>enu accepts view selection, current month, and current day from the user.</a:t>
             </a:r>
           </a:p>
           <a:p>
@@ -6398,11 +6373,7 @@
             <a:pPr lvl="1"/>
             <a:r>
               <a:rPr lang="en-US" sz="2000" dirty="0" smtClean="0"/>
-              <a:t>A “Back” button is present within each view, and it will close said view and return the user to the Start </a:t>
-            </a:r>
-            <a:r>
-              <a:rPr lang="en-US" sz="2000" dirty="0" smtClean="0"/>
-              <a:t>Menu.</a:t>
+              <a:t>A “Back” button is present within each view, and it will close said view and return the user to the Start Menu.</a:t>
             </a:r>
             <a:endParaRPr lang="en-US" sz="2000" dirty="0"/>
           </a:p>
@@ -6939,19 +6910,13 @@
               <a:rPr lang="en-US" sz="2000" dirty="0" smtClean="0"/>
               <a:t>Matt</a:t>
             </a:r>
-            <a:endParaRPr lang="en-US" sz="2000" dirty="0" smtClean="0"/>
           </a:p>
           <a:p>
             <a:pPr lvl="1"/>
             <a:r>
               <a:rPr lang="en-US" sz="2000" dirty="0" smtClean="0"/>
-              <a:t>Week View; Month View; Day View base code; user </a:t>
-            </a:r>
-            <a:r>
-              <a:rPr lang="en-US" sz="2000" dirty="0" smtClean="0"/>
-              <a:t>interactivity</a:t>
-            </a:r>
-            <a:endParaRPr lang="en-US" sz="2000" dirty="0" smtClean="0"/>
+              <a:t>Week View; Month View; Day View base code; user interactivity</a:t>
+            </a:r>
           </a:p>
         </p:txBody>
       </p:sp>
@@ -6976,7 +6941,6 @@
               <a:rPr lang="en-US" sz="2000" dirty="0" smtClean="0"/>
               <a:t>James</a:t>
             </a:r>
-            <a:endParaRPr lang="en-US" sz="2000" dirty="0" smtClean="0"/>
           </a:p>
           <a:p>
             <a:pPr lvl="1"/>
@@ -7003,13 +6967,8 @@
             <a:pPr lvl="1"/>
             <a:r>
               <a:rPr lang="en-US" sz="2000" dirty="0" smtClean="0"/>
-              <a:t>Start Menu </a:t>
-            </a:r>
-            <a:r>
-              <a:rPr lang="en-US" sz="2000" dirty="0" smtClean="0"/>
-              <a:t>GUI; alternating between frames </a:t>
-            </a:r>
-            <a:endParaRPr lang="en-US" sz="2000" dirty="0" smtClean="0"/>
+              <a:t>Start Menu GUI; alternating between frames </a:t>
+            </a:r>
           </a:p>
         </p:txBody>
       </p:sp>
@@ -8667,7 +8626,9 @@
         </p:nvSpPr>
         <p:spPr/>
         <p:txBody>
-          <a:bodyPr/>
+          <a:bodyPr>
+            <a:normAutofit fontScale="85000" lnSpcReduction="10000"/>
+          </a:bodyPr>
           <a:lstStyle/>
           <a:p>
             <a:r>
@@ -8692,7 +8653,11 @@
           <a:p>
             <a:r>
               <a:rPr lang="en-US" dirty="0" smtClean="0"/>
-              <a:t>a few YouTube tutorials</a:t>
+              <a:t>a few YouTube </a:t>
+            </a:r>
+            <a:r>
+              <a:rPr lang="en-US" dirty="0" smtClean="0"/>
+              <a:t>tutorials</a:t>
             </a:r>
             <a:br>
               <a:rPr lang="en-US" dirty="0" smtClean="0"/>
@@ -8701,8 +8666,34 @@
           </a:p>
           <a:p>
             <a:r>
+              <a:rPr lang="en-US" dirty="0"/>
+              <a:t>m</a:t>
+            </a:r>
+            <a:r>
               <a:rPr lang="en-US" dirty="0" smtClean="0"/>
-              <a:t>(more comprehensive list available on project repository)</a:t>
+              <a:t>ultiple Java libraries such as “Calendar,” “Gregorian Calendar” and various </a:t>
+            </a:r>
+            <a:r>
+              <a:rPr lang="en-US" smtClean="0"/>
+              <a:t>Swing libraries</a:t>
+            </a:r>
+            <a:r>
+              <a:rPr lang="en-US" dirty="0" smtClean="0"/>
+              <a:t/>
+            </a:r>
+            <a:br>
+              <a:rPr lang="en-US" dirty="0" smtClean="0"/>
+            </a:br>
+            <a:endParaRPr lang="en-US" dirty="0" smtClean="0"/>
+          </a:p>
+          <a:p>
+            <a:r>
+              <a:rPr lang="en-US" dirty="0" smtClean="0"/>
+              <a:t>(more comprehensive list available on project </a:t>
+            </a:r>
+            <a:r>
+              <a:rPr lang="en-US" dirty="0" smtClean="0"/>
+              <a:t>repository and within source files)</a:t>
             </a:r>
             <a:endParaRPr lang="en-US" dirty="0"/>
           </a:p>
@@ -8956,6 +8947,67 @@
                                           <p:spTgt spid="5">
                                             <p:txEl>
                                               <p:pRg st="3" end="3"/>
+                                            </p:txEl>
+                                          </p:spTgt>
+                                        </p:tgtEl>
+                                      </p:cBhvr>
+                                    </p:animEffect>
+                                  </p:childTnLst>
+                                </p:cTn>
+                              </p:par>
+                            </p:childTnLst>
+                          </p:cTn>
+                        </p:par>
+                      </p:childTnLst>
+                    </p:cTn>
+                  </p:par>
+                  <p:par>
+                    <p:cTn id="23" fill="hold">
+                      <p:stCondLst>
+                        <p:cond delay="indefinite"/>
+                      </p:stCondLst>
+                      <p:childTnLst>
+                        <p:par>
+                          <p:cTn id="24" fill="hold">
+                            <p:stCondLst>
+                              <p:cond delay="0"/>
+                            </p:stCondLst>
+                            <p:childTnLst>
+                              <p:par>
+                                <p:cTn id="25" presetID="10" presetClass="entr" presetSubtype="0" fill="hold" nodeType="clickEffect">
+                                  <p:stCondLst>
+                                    <p:cond delay="0"/>
+                                  </p:stCondLst>
+                                  <p:childTnLst>
+                                    <p:set>
+                                      <p:cBhvr>
+                                        <p:cTn id="26" dur="1" fill="hold">
+                                          <p:stCondLst>
+                                            <p:cond delay="0"/>
+                                          </p:stCondLst>
+                                        </p:cTn>
+                                        <p:tgtEl>
+                                          <p:spTgt spid="5">
+                                            <p:txEl>
+                                              <p:pRg st="4" end="4"/>
+                                            </p:txEl>
+                                          </p:spTgt>
+                                        </p:tgtEl>
+                                        <p:attrNameLst>
+                                          <p:attrName>style.visibility</p:attrName>
+                                        </p:attrNameLst>
+                                      </p:cBhvr>
+                                      <p:to>
+                                        <p:strVal val="visible"/>
+                                      </p:to>
+                                    </p:set>
+                                    <p:animEffect transition="in" filter="fade">
+                                      <p:cBhvr>
+                                        <p:cTn id="27" dur="500"/>
+                                        <p:tgtEl>
+                                          <p:spTgt spid="5">
+                                            <p:txEl>
+                                              <p:pRg st="4" end="4"/>
                                             </p:txEl>
                                           </p:spTgt>
                                         </p:tgtEl>

--- a/presentation/EECS 448- Project 1 Presentation.pptx
+++ b/presentation/EECS 448- Project 1 Presentation.pptx
@@ -14,6 +14,7 @@
     <p:sldId id="263" r:id="rId8"/>
     <p:sldId id="264" r:id="rId9"/>
     <p:sldId id="259" r:id="rId10"/>
+    <p:sldId id="265" r:id="rId11"/>
   </p:sldIdLst>
   <p:sldSz cx="12192000" cy="6858000"/>
   <p:notesSz cx="6858000" cy="9144000"/>
@@ -6252,6 +6253,594 @@
     <p:tnLst>
       <p:par>
         <p:cTn id="1" dur="indefinite" restart="never" nodeType="tmRoot"/>
+      </p:par>
+    </p:tnLst>
+  </p:timing>
+</p:sld>
+</file>
+
+<file path=ppt/slides/slide10.xml><?xml version="1.0" encoding="utf-8"?>
+<p:sld xmlns:a="http://schemas.openxmlformats.org/drawingml/2006/main" xmlns:r="http://schemas.openxmlformats.org/officeDocument/2006/relationships" xmlns:p="http://schemas.openxmlformats.org/presentationml/2006/main">
+  <p:cSld>
+    <p:spTree>
+      <p:nvGrpSpPr>
+        <p:cNvPr id="1" name=""/>
+        <p:cNvGrpSpPr/>
+        <p:nvPr/>
+      </p:nvGrpSpPr>
+      <p:grpSpPr>
+        <a:xfrm>
+          <a:off x="0" y="0"/>
+          <a:ext cx="0" cy="0"/>
+          <a:chOff x="0" y="0"/>
+          <a:chExt cx="0" cy="0"/>
+        </a:xfrm>
+      </p:grpSpPr>
+      <p:sp>
+        <p:nvSpPr>
+          <p:cNvPr id="2" name="Title 1"/>
+          <p:cNvSpPr>
+            <a:spLocks noGrp="1"/>
+          </p:cNvSpPr>
+          <p:nvPr>
+            <p:ph type="title"/>
+          </p:nvPr>
+        </p:nvSpPr>
+        <p:spPr/>
+        <p:txBody>
+          <a:bodyPr/>
+          <a:lstStyle/>
+          <a:p>
+            <a:r>
+              <a:rPr lang="en-US" dirty="0" smtClean="0"/>
+              <a:t>Retrospective</a:t>
+            </a:r>
+            <a:endParaRPr lang="en-US" dirty="0"/>
+          </a:p>
+        </p:txBody>
+      </p:sp>
+      <p:sp>
+        <p:nvSpPr>
+          <p:cNvPr id="3" name="Content Placeholder 2"/>
+          <p:cNvSpPr>
+            <a:spLocks noGrp="1"/>
+          </p:cNvSpPr>
+          <p:nvPr>
+            <p:ph idx="1"/>
+          </p:nvPr>
+        </p:nvSpPr>
+        <p:spPr>
+          <a:xfrm>
+            <a:off x="1484310" y="1930401"/>
+            <a:ext cx="10018713" cy="4586514"/>
+          </a:xfrm>
+        </p:spPr>
+        <p:txBody>
+          <a:bodyPr>
+            <a:normAutofit fontScale="92500" lnSpcReduction="10000"/>
+          </a:bodyPr>
+          <a:lstStyle/>
+          <a:p>
+            <a:r>
+              <a:rPr lang="en-US" dirty="0" smtClean="0"/>
+              <a:t>Challenges</a:t>
+            </a:r>
+          </a:p>
+          <a:p>
+            <a:pPr lvl="1"/>
+            <a:r>
+              <a:rPr lang="en-US" dirty="0" smtClean="0"/>
+              <a:t>There were some problems in accessing the database on Windows vs. Linux.</a:t>
+            </a:r>
+          </a:p>
+          <a:p>
+            <a:pPr lvl="1"/>
+            <a:r>
+              <a:rPr lang="en-US" dirty="0" smtClean="0"/>
+              <a:t>The way that we divided the work left some of our tasks unable to be completed until other group members were finished with their parts.</a:t>
+            </a:r>
+            <a:br>
+              <a:rPr lang="en-US" dirty="0" smtClean="0"/>
+            </a:br>
+            <a:endParaRPr lang="en-US" dirty="0" smtClean="0"/>
+          </a:p>
+          <a:p>
+            <a:r>
+              <a:rPr lang="en-US" dirty="0" smtClean="0"/>
+              <a:t>Improvement 1: More Communication</a:t>
+            </a:r>
+          </a:p>
+          <a:p>
+            <a:pPr lvl="1"/>
+            <a:r>
+              <a:rPr lang="en-US" dirty="0" smtClean="0"/>
+              <a:t>In some instances, we were not specifically telling each other how much progress we were making in our individual work.  Doing so would have saved us some time wasted writing code that turned out to be unnecessary.</a:t>
+            </a:r>
+            <a:br>
+              <a:rPr lang="en-US" dirty="0" smtClean="0"/>
+            </a:br>
+            <a:endParaRPr lang="en-US" dirty="0" smtClean="0"/>
+          </a:p>
+          <a:p>
+            <a:r>
+              <a:rPr lang="en-US" dirty="0" smtClean="0"/>
+              <a:t>Improvement 2: More Planning Ahead</a:t>
+            </a:r>
+          </a:p>
+          <a:p>
+            <a:pPr lvl="1"/>
+            <a:r>
+              <a:rPr lang="en-US" dirty="0" smtClean="0"/>
+              <a:t>It would have been helpful to carefully read through the project requirements as a full group and make a detailed list of our plans to cover the requirements.</a:t>
+            </a:r>
+            <a:endParaRPr lang="en-US" dirty="0"/>
+          </a:p>
+        </p:txBody>
+      </p:sp>
+    </p:spTree>
+    <p:extLst>
+      <p:ext uri="{BB962C8B-B14F-4D97-AF65-F5344CB8AC3E}">
+        <p14:creationId xmlns:p14="http://schemas.microsoft.com/office/powerpoint/2010/main" val="4161850633"/>
+      </p:ext>
+    </p:extLst>
+  </p:cSld>
+  <p:clrMapOvr>
+    <a:masterClrMapping/>
+  </p:clrMapOvr>
+  <p:timing>
+    <p:tnLst>
+      <p:par>
+        <p:cTn id="1" dur="indefinite" restart="never" nodeType="tmRoot">
+          <p:childTnLst>
+            <p:seq concurrent="1" nextAc="seek">
+              <p:cTn id="2" dur="indefinite" nodeType="mainSeq">
+                <p:childTnLst>
+                  <p:par>
+                    <p:cTn id="3" fill="hold">
+                      <p:stCondLst>
+                        <p:cond delay="indefinite"/>
+                      </p:stCondLst>
+                      <p:childTnLst>
+                        <p:par>
+                          <p:cTn id="4" fill="hold">
+                            <p:stCondLst>
+                              <p:cond delay="0"/>
+                            </p:stCondLst>
+                            <p:childTnLst>
+                              <p:par>
+                                <p:cTn id="5" presetID="10" presetClass="entr" presetSubtype="0" fill="hold" nodeType="clickEffect">
+                                  <p:stCondLst>
+                                    <p:cond delay="0"/>
+                                  </p:stCondLst>
+                                  <p:childTnLst>
+                                    <p:set>
+                                      <p:cBhvr>
+                                        <p:cTn id="6" dur="1" fill="hold">
+                                          <p:stCondLst>
+                                            <p:cond delay="0"/>
+                                          </p:stCondLst>
+                                        </p:cTn>
+                                        <p:tgtEl>
+                                          <p:spTgt spid="3">
+                                            <p:txEl>
+                                              <p:pRg st="0" end="0"/>
+                                            </p:txEl>
+                                          </p:spTgt>
+                                        </p:tgtEl>
+                                        <p:attrNameLst>
+                                          <p:attrName>style.visibility</p:attrName>
+                                        </p:attrNameLst>
+                                      </p:cBhvr>
+                                      <p:to>
+                                        <p:strVal val="visible"/>
+                                      </p:to>
+                                    </p:set>
+                                    <p:animEffect transition="in" filter="fade">
+                                      <p:cBhvr>
+                                        <p:cTn id="7" dur="500"/>
+                                        <p:tgtEl>
+                                          <p:spTgt spid="3">
+                                            <p:txEl>
+                                              <p:pRg st="0" end="0"/>
+                                            </p:txEl>
+                                          </p:spTgt>
+                                        </p:tgtEl>
+                                      </p:cBhvr>
+                                    </p:animEffect>
+                                  </p:childTnLst>
+                                </p:cTn>
+                              </p:par>
+                            </p:childTnLst>
+                          </p:cTn>
+                        </p:par>
+                      </p:childTnLst>
+                    </p:cTn>
+                  </p:par>
+                  <p:par>
+                    <p:cTn id="8" fill="hold">
+                      <p:stCondLst>
+                        <p:cond delay="indefinite"/>
+                      </p:stCondLst>
+                      <p:childTnLst>
+                        <p:par>
+                          <p:cTn id="9" fill="hold">
+                            <p:stCondLst>
+                              <p:cond delay="0"/>
+                            </p:stCondLst>
+                            <p:childTnLst>
+                              <p:par>
+                                <p:cTn id="10" presetID="10" presetClass="entr" presetSubtype="0" fill="hold" nodeType="clickEffect">
+                                  <p:stCondLst>
+                                    <p:cond delay="0"/>
+                                  </p:stCondLst>
+                                  <p:childTnLst>
+                                    <p:set>
+                                      <p:cBhvr>
+                                        <p:cTn id="11" dur="1" fill="hold">
+                                          <p:stCondLst>
+                                            <p:cond delay="0"/>
+                                          </p:stCondLst>
+                                        </p:cTn>
+                                        <p:tgtEl>
+                                          <p:spTgt spid="3">
+                                            <p:txEl>
+                                              <p:pRg st="1" end="1"/>
+                                            </p:txEl>
+                                          </p:spTgt>
+                                        </p:tgtEl>
+                                        <p:attrNameLst>
+                                          <p:attrName>style.visibility</p:attrName>
+                                        </p:attrNameLst>
+                                      </p:cBhvr>
+                                      <p:to>
+                                        <p:strVal val="visible"/>
+                                      </p:to>
+                                    </p:set>
+                                    <p:animEffect transition="in" filter="fade">
+                                      <p:cBhvr>
+                                        <p:cTn id="12" dur="500"/>
+                                        <p:tgtEl>
+                                          <p:spTgt spid="3">
+                                            <p:txEl>
+                                              <p:pRg st="1" end="1"/>
+                                            </p:txEl>
+                                          </p:spTgt>
+                                        </p:tgtEl>
+                                      </p:cBhvr>
+                                    </p:animEffect>
+                                  </p:childTnLst>
+                                </p:cTn>
+                              </p:par>
+                            </p:childTnLst>
+                          </p:cTn>
+                        </p:par>
+                      </p:childTnLst>
+                    </p:cTn>
+                  </p:par>
+                  <p:par>
+                    <p:cTn id="13" fill="hold">
+                      <p:stCondLst>
+                        <p:cond delay="indefinite"/>
+                      </p:stCondLst>
+                      <p:childTnLst>
+                        <p:par>
+                          <p:cTn id="14" fill="hold">
+                            <p:stCondLst>
+                              <p:cond delay="0"/>
+                            </p:stCondLst>
+                            <p:childTnLst>
+                              <p:par>
+                                <p:cTn id="15" presetID="10" presetClass="entr" presetSubtype="0" fill="hold" nodeType="clickEffect">
+                                  <p:stCondLst>
+                                    <p:cond delay="0"/>
+                                  </p:stCondLst>
+                                  <p:childTnLst>
+                                    <p:set>
+                                      <p:cBhvr>
+                                        <p:cTn id="16" dur="1" fill="hold">
+                                          <p:stCondLst>
+                                            <p:cond delay="0"/>
+                                          </p:stCondLst>
+                                        </p:cTn>
+                                        <p:tgtEl>
+                                          <p:spTgt spid="3">
+                                            <p:txEl>
+                                              <p:pRg st="2" end="2"/>
+                                            </p:txEl>
+                                          </p:spTgt>
+                                        </p:tgtEl>
+                                        <p:attrNameLst>
+                                          <p:attrName>style.visibility</p:attrName>
+                                        </p:attrNameLst>
+                                      </p:cBhvr>
+                                      <p:to>
+                                        <p:strVal val="visible"/>
+                                      </p:to>
+                                    </p:set>
+                                    <p:animEffect transition="in" filter="fade">
+                                      <p:cBhvr>
+                                        <p:cTn id="17" dur="500"/>
+                                        <p:tgtEl>
+                                          <p:spTgt spid="3">
+                                            <p:txEl>
+                                              <p:pRg st="2" end="2"/>
+                                            </p:txEl>
+                                          </p:spTgt>
+                                        </p:tgtEl>
+                                      </p:cBhvr>
+                                    </p:animEffect>
+                                  </p:childTnLst>
+                                </p:cTn>
+                              </p:par>
+                            </p:childTnLst>
+                          </p:cTn>
+                        </p:par>
+                      </p:childTnLst>
+                    </p:cTn>
+                  </p:par>
+                  <p:par>
+                    <p:cTn id="18" fill="hold">
+                      <p:stCondLst>
+                        <p:cond delay="indefinite"/>
+                      </p:stCondLst>
+                      <p:childTnLst>
+                        <p:par>
+                          <p:cTn id="19" fill="hold">
+                            <p:stCondLst>
+                              <p:cond delay="0"/>
+                            </p:stCondLst>
+                            <p:childTnLst>
+                              <p:par>
+                                <p:cTn id="20" presetID="10" presetClass="entr" presetSubtype="0" fill="hold" nodeType="clickEffect">
+                                  <p:stCondLst>
+                                    <p:cond delay="0"/>
+                                  </p:stCondLst>
+                                  <p:childTnLst>
+                                    <p:set>
+                                      <p:cBhvr>
+                                        <p:cTn id="21" dur="1" fill="hold">
+                                          <p:stCondLst>
+                                            <p:cond delay="0"/>
+                                          </p:stCondLst>
+                                        </p:cTn>
+                                        <p:tgtEl>
+                                          <p:spTgt spid="3">
+                                            <p:txEl>
+                                              <p:pRg st="3" end="3"/>
+                                            </p:txEl>
+                                          </p:spTgt>
+                                        </p:tgtEl>
+                                        <p:attrNameLst>
+                                          <p:attrName>style.visibility</p:attrName>
+                                        </p:attrNameLst>
+                                      </p:cBhvr>
+                                      <p:to>
+                                        <p:strVal val="visible"/>
+                                      </p:to>
+                                    </p:set>
+                                    <p:animEffect transition="in" filter="fade">
+                                      <p:cBhvr>
+                                        <p:cTn id="22" dur="500"/>
+                                        <p:tgtEl>
+                                          <p:spTgt spid="3">
+                                            <p:txEl>
+                                              <p:pRg st="3" end="3"/>
+                                            </p:txEl>
+                                          </p:spTgt>
+                                        </p:tgtEl>
+                                      </p:cBhvr>
+                                    </p:animEffect>
+                                  </p:childTnLst>
+                                </p:cTn>
+                              </p:par>
+                            </p:childTnLst>
+                          </p:cTn>
+                        </p:par>
+                      </p:childTnLst>
+                    </p:cTn>
+                  </p:par>
+                  <p:par>
+                    <p:cTn id="23" fill="hold">
+                      <p:stCondLst>
+                        <p:cond delay="indefinite"/>
+                      </p:stCondLst>
+                      <p:childTnLst>
+                        <p:par>
+                          <p:cTn id="24" fill="hold">
+                            <p:stCondLst>
+                              <p:cond delay="0"/>
+                            </p:stCondLst>
+                            <p:childTnLst>
+                              <p:par>
+                                <p:cTn id="25" presetID="10" presetClass="entr" presetSubtype="0" fill="hold" nodeType="clickEffect">
+                                  <p:stCondLst>
+                                    <p:cond delay="0"/>
+                                  </p:stCondLst>
+                                  <p:childTnLst>
+                                    <p:set>
+                                      <p:cBhvr>
+                                        <p:cTn id="26" dur="1" fill="hold">
+                                          <p:stCondLst>
+                                            <p:cond delay="0"/>
+                                          </p:stCondLst>
+                                        </p:cTn>
+                                        <p:tgtEl>
+                                          <p:spTgt spid="3">
+                                            <p:txEl>
+                                              <p:pRg st="4" end="4"/>
+                                            </p:txEl>
+                                          </p:spTgt>
+                                        </p:tgtEl>
+                                        <p:attrNameLst>
+                                          <p:attrName>style.visibility</p:attrName>
+                                        </p:attrNameLst>
+                                      </p:cBhvr>
+                                      <p:to>
+                                        <p:strVal val="visible"/>
+                                      </p:to>
+                                    </p:set>
+                                    <p:animEffect transition="in" filter="fade">
+                                      <p:cBhvr>
+                                        <p:cTn id="27" dur="500"/>
+                                        <p:tgtEl>
+                                          <p:spTgt spid="3">
+                                            <p:txEl>
+                                              <p:pRg st="4" end="4"/>
+                                            </p:txEl>
+                                          </p:spTgt>
+                                        </p:tgtEl>
+                                      </p:cBhvr>
+                                    </p:animEffect>
+                                  </p:childTnLst>
+                                </p:cTn>
+                              </p:par>
+                            </p:childTnLst>
+                          </p:cTn>
+                        </p:par>
+                      </p:childTnLst>
+                    </p:cTn>
+                  </p:par>
+                  <p:par>
+                    <p:cTn id="28" fill="hold">
+                      <p:stCondLst>
+                        <p:cond delay="indefinite"/>
+                      </p:stCondLst>
+                      <p:childTnLst>
+                        <p:par>
+                          <p:cTn id="29" fill="hold">
+                            <p:stCondLst>
+                              <p:cond delay="0"/>
+                            </p:stCondLst>
+                            <p:childTnLst>
+                              <p:par>
+                                <p:cTn id="30" presetID="10" presetClass="entr" presetSubtype="0" fill="hold" nodeType="clickEffect">
+                                  <p:stCondLst>
+                                    <p:cond delay="0"/>
+                                  </p:stCondLst>
+                                  <p:childTnLst>
+                                    <p:set>
+                                      <p:cBhvr>
+                                        <p:cTn id="31" dur="1" fill="hold">
+                                          <p:stCondLst>
+                                            <p:cond delay="0"/>
+                                          </p:stCondLst>
+                                        </p:cTn>
+                                        <p:tgtEl>
+                                          <p:spTgt spid="3">
+                                            <p:txEl>
+                                              <p:pRg st="5" end="5"/>
+                                            </p:txEl>
+                                          </p:spTgt>
+                                        </p:tgtEl>
+                                        <p:attrNameLst>
+                                          <p:attrName>style.visibility</p:attrName>
+                                        </p:attrNameLst>
+                                      </p:cBhvr>
+                                      <p:to>
+                                        <p:strVal val="visible"/>
+                                      </p:to>
+                                    </p:set>
+                                    <p:animEffect transition="in" filter="fade">
+                                      <p:cBhvr>
+                                        <p:cTn id="32" dur="500"/>
+                                        <p:tgtEl>
+                                          <p:spTgt spid="3">
+                                            <p:txEl>
+                                              <p:pRg st="5" end="5"/>
+                                            </p:txEl>
+                                          </p:spTgt>
+                                        </p:tgtEl>
+                                      </p:cBhvr>
+                                    </p:animEffect>
+                                  </p:childTnLst>
+                                </p:cTn>
+                              </p:par>
+                            </p:childTnLst>
+                          </p:cTn>
+                        </p:par>
+                      </p:childTnLst>
+                    </p:cTn>
+                  </p:par>
+                  <p:par>
+                    <p:cTn id="33" fill="hold">
+                      <p:stCondLst>
+                        <p:cond delay="indefinite"/>
+                      </p:stCondLst>
+                      <p:childTnLst>
+                        <p:par>
+                          <p:cTn id="34" fill="hold">
+                            <p:stCondLst>
+                              <p:cond delay="0"/>
+                            </p:stCondLst>
+                            <p:childTnLst>
+                              <p:par>
+                                <p:cTn id="35" presetID="10" presetClass="entr" presetSubtype="0" fill="hold" nodeType="clickEffect">
+                                  <p:stCondLst>
+                                    <p:cond delay="0"/>
+                                  </p:stCondLst>
+                                  <p:childTnLst>
+                                    <p:set>
+                                      <p:cBhvr>
+                                        <p:cTn id="36" dur="1" fill="hold">
+                                          <p:stCondLst>
+                                            <p:cond delay="0"/>
+                                          </p:stCondLst>
+                                        </p:cTn>
+                                        <p:tgtEl>
+                                          <p:spTgt spid="3">
+                                            <p:txEl>
+                                              <p:pRg st="6" end="6"/>
+                                            </p:txEl>
+                                          </p:spTgt>
+                                        </p:tgtEl>
+                                        <p:attrNameLst>
+                                          <p:attrName>style.visibility</p:attrName>
+                                        </p:attrNameLst>
+                                      </p:cBhvr>
+                                      <p:to>
+                                        <p:strVal val="visible"/>
+                                      </p:to>
+                                    </p:set>
+                                    <p:animEffect transition="in" filter="fade">
+                                      <p:cBhvr>
+                                        <p:cTn id="37" dur="500"/>
+                                        <p:tgtEl>
+                                          <p:spTgt spid="3">
+                                            <p:txEl>
+                                              <p:pRg st="6" end="6"/>
+                                            </p:txEl>
+                                          </p:spTgt>
+                                        </p:tgtEl>
+                                      </p:cBhvr>
+                                    </p:animEffect>
+                                  </p:childTnLst>
+                                </p:cTn>
+                              </p:par>
+                            </p:childTnLst>
+                          </p:cTn>
+                        </p:par>
+                      </p:childTnLst>
+                    </p:cTn>
+                  </p:par>
+                </p:childTnLst>
+              </p:cTn>
+              <p:prevCondLst>
+                <p:cond evt="onPrev" delay="0">
+                  <p:tgtEl>
+                    <p:sldTgt/>
+                  </p:tgtEl>
+                </p:cond>
+              </p:prevCondLst>
+              <p:nextCondLst>
+                <p:cond evt="onNext" delay="0">
+                  <p:tgtEl>
+                    <p:sldTgt/>
+                  </p:tgtEl>
+                </p:cond>
+              </p:nextCondLst>
+            </p:seq>
+          </p:childTnLst>
+        </p:cTn>
       </p:par>
     </p:tnLst>
   </p:timing>
@@ -8653,11 +9242,7 @@
           <a:p>
             <a:r>
               <a:rPr lang="en-US" dirty="0" smtClean="0"/>
-              <a:t>a few YouTube </a:t>
-            </a:r>
-            <a:r>
-              <a:rPr lang="en-US" dirty="0" smtClean="0"/>
-              <a:t>tutorials</a:t>
+              <a:t>a few YouTube tutorials</a:t>
             </a:r>
             <a:br>
               <a:rPr lang="en-US" dirty="0" smtClean="0"/>
@@ -8689,11 +9274,7 @@
           <a:p>
             <a:r>
               <a:rPr lang="en-US" dirty="0" smtClean="0"/>
-              <a:t>(more comprehensive list available on project </a:t>
-            </a:r>
-            <a:r>
-              <a:rPr lang="en-US" dirty="0" smtClean="0"/>
-              <a:t>repository and within source files)</a:t>
+              <a:t>(more comprehensive list available on project repository and within source files)</a:t>
             </a:r>
             <a:endParaRPr lang="en-US" dirty="0"/>
           </a:p>
